--- a/Applications/KSManualTrade/uidesign.pptx
+++ b/Applications/KSManualTrade/uidesign.pptx
@@ -273,7 +273,7 @@
           <a:p>
             <a:fld id="{C215B344-0433-FF4F-B973-CB82BEC5B924}" type="datetimeFigureOut">
               <a:rPr lang="ko-US" smtClean="0"/>
-              <a:t>06/13/2025</a:t>
+              <a:t>06/25/2025</a:t>
             </a:fld>
             <a:endParaRPr lang="ko-US"/>
           </a:p>
@@ -473,7 +473,7 @@
           <a:p>
             <a:fld id="{C215B344-0433-FF4F-B973-CB82BEC5B924}" type="datetimeFigureOut">
               <a:rPr lang="ko-US" smtClean="0"/>
-              <a:t>06/13/2025</a:t>
+              <a:t>06/25/2025</a:t>
             </a:fld>
             <a:endParaRPr lang="ko-US"/>
           </a:p>
@@ -683,7 +683,7 @@
           <a:p>
             <a:fld id="{C215B344-0433-FF4F-B973-CB82BEC5B924}" type="datetimeFigureOut">
               <a:rPr lang="ko-US" smtClean="0"/>
-              <a:t>06/13/2025</a:t>
+              <a:t>06/25/2025</a:t>
             </a:fld>
             <a:endParaRPr lang="ko-US"/>
           </a:p>
@@ -883,7 +883,7 @@
           <a:p>
             <a:fld id="{C215B344-0433-FF4F-B973-CB82BEC5B924}" type="datetimeFigureOut">
               <a:rPr lang="ko-US" smtClean="0"/>
-              <a:t>06/13/2025</a:t>
+              <a:t>06/25/2025</a:t>
             </a:fld>
             <a:endParaRPr lang="ko-US"/>
           </a:p>
@@ -1159,7 +1159,7 @@
           <a:p>
             <a:fld id="{C215B344-0433-FF4F-B973-CB82BEC5B924}" type="datetimeFigureOut">
               <a:rPr lang="ko-US" smtClean="0"/>
-              <a:t>06/13/2025</a:t>
+              <a:t>06/25/2025</a:t>
             </a:fld>
             <a:endParaRPr lang="ko-US"/>
           </a:p>
@@ -1427,7 +1427,7 @@
           <a:p>
             <a:fld id="{C215B344-0433-FF4F-B973-CB82BEC5B924}" type="datetimeFigureOut">
               <a:rPr lang="ko-US" smtClean="0"/>
-              <a:t>06/13/2025</a:t>
+              <a:t>06/25/2025</a:t>
             </a:fld>
             <a:endParaRPr lang="ko-US"/>
           </a:p>
@@ -1842,7 +1842,7 @@
           <a:p>
             <a:fld id="{C215B344-0433-FF4F-B973-CB82BEC5B924}" type="datetimeFigureOut">
               <a:rPr lang="ko-US" smtClean="0"/>
-              <a:t>06/13/2025</a:t>
+              <a:t>06/25/2025</a:t>
             </a:fld>
             <a:endParaRPr lang="ko-US"/>
           </a:p>
@@ -1984,7 +1984,7 @@
           <a:p>
             <a:fld id="{C215B344-0433-FF4F-B973-CB82BEC5B924}" type="datetimeFigureOut">
               <a:rPr lang="ko-US" smtClean="0"/>
-              <a:t>06/13/2025</a:t>
+              <a:t>06/25/2025</a:t>
             </a:fld>
             <a:endParaRPr lang="ko-US"/>
           </a:p>
@@ -2097,7 +2097,7 @@
           <a:p>
             <a:fld id="{C215B344-0433-FF4F-B973-CB82BEC5B924}" type="datetimeFigureOut">
               <a:rPr lang="ko-US" smtClean="0"/>
-              <a:t>06/13/2025</a:t>
+              <a:t>06/25/2025</a:t>
             </a:fld>
             <a:endParaRPr lang="ko-US"/>
           </a:p>
@@ -2410,7 +2410,7 @@
           <a:p>
             <a:fld id="{C215B344-0433-FF4F-B973-CB82BEC5B924}" type="datetimeFigureOut">
               <a:rPr lang="ko-US" smtClean="0"/>
-              <a:t>06/13/2025</a:t>
+              <a:t>06/25/2025</a:t>
             </a:fld>
             <a:endParaRPr lang="ko-US"/>
           </a:p>
@@ -2699,7 +2699,7 @@
           <a:p>
             <a:fld id="{C215B344-0433-FF4F-B973-CB82BEC5B924}" type="datetimeFigureOut">
               <a:rPr lang="ko-US" smtClean="0"/>
-              <a:t>06/13/2025</a:t>
+              <a:t>06/25/2025</a:t>
             </a:fld>
             <a:endParaRPr lang="ko-US"/>
           </a:p>
@@ -2942,7 +2942,7 @@
           <a:p>
             <a:fld id="{C215B344-0433-FF4F-B973-CB82BEC5B924}" type="datetimeFigureOut">
               <a:rPr lang="ko-US" smtClean="0"/>
-              <a:t>06/13/2025</a:t>
+              <a:t>06/25/2025</a:t>
             </a:fld>
             <a:endParaRPr lang="ko-US"/>
           </a:p>
@@ -5946,7 +5946,7 @@
           <a:p>
             <a:pPr algn="ctr"/>
             <a:r>
-              <a:rPr lang="en-US" dirty="0" err="1"/>
+              <a:rPr lang="en-US" dirty="0"/>
               <a:t>KSManualTrader</a:t>
             </a:r>
             <a:endParaRPr lang="ko-US" dirty="0"/>
@@ -6516,7 +6516,7 @@
             <a:pPr algn="ctr"/>
             <a:r>
               <a:rPr lang="en-US" altLang="ko-KR" dirty="0"/>
-              <a:t>Settings</a:t>
+              <a:t>Profits</a:t>
             </a:r>
             <a:endParaRPr lang="ko-KR" altLang="en-US" dirty="0"/>
           </a:p>
@@ -6612,7 +6612,7 @@
             <a:pPr algn="ctr"/>
             <a:r>
               <a:rPr lang="en-US" altLang="ko-KR" dirty="0"/>
-              <a:t>Current Orders</a:t>
+              <a:t>Close Orders</a:t>
             </a:r>
             <a:endParaRPr lang="ko-KR" altLang="en-US" dirty="0"/>
           </a:p>
@@ -6764,7 +6764,7 @@
         </p:nvGrpSpPr>
         <p:grpSpPr>
           <a:xfrm rot="18882072">
-            <a:off x="3021436" y="1371600"/>
+            <a:off x="7132768" y="735443"/>
             <a:ext cx="2692908" cy="1888236"/>
             <a:chOff x="2651760" y="1847088"/>
             <a:chExt cx="2692908" cy="1888236"/>
@@ -7953,14 +7953,971 @@
           <a:p>
             <a:pPr algn="ctr"/>
             <a:r>
-              <a:rPr lang="en-US" dirty="0" err="1"/>
-              <a:t>KSManualTrader</a:t>
-            </a:r>
-            <a:r>
               <a:rPr lang="en-US" dirty="0"/>
-              <a:t> Settings (XXX)</a:t>
+              <a:t>KSManualTrader Open Orders</a:t>
             </a:r>
             <a:endParaRPr lang="ko-US" dirty="0"/>
+          </a:p>
+        </p:txBody>
+      </p:sp>
+      <p:sp>
+        <p:nvSpPr>
+          <p:cNvPr id="3" name="직사각형 2">
+            <a:extLst>
+              <a:ext uri="{FF2B5EF4-FFF2-40B4-BE49-F238E27FC236}">
+                <a16:creationId xmlns:a16="http://schemas.microsoft.com/office/drawing/2014/main" id="{69399272-AD65-F42D-EF83-58883683769C}"/>
+              </a:ext>
+            </a:extLst>
+          </p:cNvPr>
+          <p:cNvSpPr/>
+          <p:nvPr/>
+        </p:nvSpPr>
+        <p:spPr>
+          <a:xfrm>
+            <a:off x="1828800" y="1289304"/>
+            <a:ext cx="1389888" cy="320566"/>
+          </a:xfrm>
+          <a:prstGeom prst="rect">
+            <a:avLst/>
+          </a:prstGeom>
+        </p:spPr>
+        <p:style>
+          <a:lnRef idx="2">
+            <a:schemeClr val="dk1"/>
+          </a:lnRef>
+          <a:fillRef idx="1">
+            <a:schemeClr val="lt1"/>
+          </a:fillRef>
+          <a:effectRef idx="0">
+            <a:schemeClr val="dk1"/>
+          </a:effectRef>
+          <a:fontRef idx="minor">
+            <a:schemeClr val="dk1"/>
+          </a:fontRef>
+        </p:style>
+        <p:txBody>
+          <a:bodyPr rtlCol="0" anchor="ctr"/>
+          <a:lstStyle/>
+          <a:p>
+            <a:pPr algn="ctr"/>
+            <a:r>
+              <a:rPr lang="en-US" altLang="ko-KR" dirty="0"/>
+              <a:t>Refresh</a:t>
+            </a:r>
+            <a:endParaRPr lang="ko-KR" altLang="en-US" dirty="0"/>
+          </a:p>
+        </p:txBody>
+      </p:sp>
+      <p:sp>
+        <p:nvSpPr>
+          <p:cNvPr id="5" name="TextBox 4">
+            <a:extLst>
+              <a:ext uri="{FF2B5EF4-FFF2-40B4-BE49-F238E27FC236}">
+                <a16:creationId xmlns:a16="http://schemas.microsoft.com/office/drawing/2014/main" id="{1E432341-7E9C-65EA-0B04-C80BE47E653F}"/>
+              </a:ext>
+            </a:extLst>
+          </p:cNvPr>
+          <p:cNvSpPr txBox="1"/>
+          <p:nvPr/>
+        </p:nvSpPr>
+        <p:spPr>
+          <a:xfrm>
+            <a:off x="3456432" y="1264921"/>
+            <a:ext cx="2798064" cy="369332"/>
+          </a:xfrm>
+          <a:prstGeom prst="rect">
+            <a:avLst/>
+          </a:prstGeom>
+          <a:noFill/>
+        </p:spPr>
+        <p:txBody>
+          <a:bodyPr wrap="square" rtlCol="0">
+            <a:spAutoFit/>
+          </a:bodyPr>
+          <a:lstStyle/>
+          <a:p>
+            <a:r>
+              <a:rPr lang="en-US" altLang="ko-KR" dirty="0"/>
+              <a:t>Server latency: 402ms</a:t>
+            </a:r>
+            <a:endParaRPr lang="ko-KR" altLang="en-US" dirty="0"/>
+          </a:p>
+        </p:txBody>
+      </p:sp>
+      <p:sp>
+        <p:nvSpPr>
+          <p:cNvPr id="6" name="TextBox 5">
+            <a:extLst>
+              <a:ext uri="{FF2B5EF4-FFF2-40B4-BE49-F238E27FC236}">
+                <a16:creationId xmlns:a16="http://schemas.microsoft.com/office/drawing/2014/main" id="{A9ACA2F0-94F5-39AB-7FFC-3FC05FD7F35B}"/>
+              </a:ext>
+            </a:extLst>
+          </p:cNvPr>
+          <p:cNvSpPr txBox="1"/>
+          <p:nvPr/>
+        </p:nvSpPr>
+        <p:spPr>
+          <a:xfrm>
+            <a:off x="6492240" y="1264921"/>
+            <a:ext cx="3870960" cy="369332"/>
+          </a:xfrm>
+          <a:prstGeom prst="rect">
+            <a:avLst/>
+          </a:prstGeom>
+          <a:noFill/>
+        </p:spPr>
+        <p:txBody>
+          <a:bodyPr wrap="square" rtlCol="0">
+            <a:spAutoFit/>
+          </a:bodyPr>
+          <a:lstStyle/>
+          <a:p>
+            <a:r>
+              <a:rPr lang="en-US" altLang="ko-KR" dirty="0"/>
+              <a:t>Server clock: 2025-04-01 23:02:01</a:t>
+            </a:r>
+            <a:endParaRPr lang="ko-KR" altLang="en-US" dirty="0"/>
+          </a:p>
+        </p:txBody>
+      </p:sp>
+      <p:sp>
+        <p:nvSpPr>
+          <p:cNvPr id="7" name="TextBox 6">
+            <a:extLst>
+              <a:ext uri="{FF2B5EF4-FFF2-40B4-BE49-F238E27FC236}">
+                <a16:creationId xmlns:a16="http://schemas.microsoft.com/office/drawing/2014/main" id="{3AA685F8-19C5-B3EF-D4E3-D3F583546607}"/>
+              </a:ext>
+            </a:extLst>
+          </p:cNvPr>
+          <p:cNvSpPr txBox="1"/>
+          <p:nvPr/>
+        </p:nvSpPr>
+        <p:spPr>
+          <a:xfrm>
+            <a:off x="5373624" y="5513832"/>
+            <a:ext cx="1444752" cy="369332"/>
+          </a:xfrm>
+          <a:prstGeom prst="rect">
+            <a:avLst/>
+          </a:prstGeom>
+          <a:noFill/>
+        </p:spPr>
+        <p:txBody>
+          <a:bodyPr wrap="square" rtlCol="0">
+            <a:spAutoFit/>
+          </a:bodyPr>
+          <a:lstStyle/>
+          <a:p>
+            <a:pPr algn="ctr"/>
+            <a:r>
+              <a:rPr lang="en-US" altLang="ko-KR" dirty="0"/>
+              <a:t>1 / 3</a:t>
+            </a:r>
+            <a:endParaRPr lang="ko-KR" altLang="en-US" dirty="0"/>
+          </a:p>
+        </p:txBody>
+      </p:sp>
+      <p:sp>
+        <p:nvSpPr>
+          <p:cNvPr id="8" name="직사각형 7">
+            <a:extLst>
+              <a:ext uri="{FF2B5EF4-FFF2-40B4-BE49-F238E27FC236}">
+                <a16:creationId xmlns:a16="http://schemas.microsoft.com/office/drawing/2014/main" id="{93EC83CF-43D8-1B49-16EE-495059AF9FA1}"/>
+              </a:ext>
+            </a:extLst>
+          </p:cNvPr>
+          <p:cNvSpPr/>
+          <p:nvPr/>
+        </p:nvSpPr>
+        <p:spPr>
+          <a:xfrm>
+            <a:off x="4960620" y="5513832"/>
+            <a:ext cx="539496" cy="369332"/>
+          </a:xfrm>
+          <a:prstGeom prst="rect">
+            <a:avLst/>
+          </a:prstGeom>
+        </p:spPr>
+        <p:style>
+          <a:lnRef idx="2">
+            <a:schemeClr val="dk1"/>
+          </a:lnRef>
+          <a:fillRef idx="1">
+            <a:schemeClr val="lt1"/>
+          </a:fillRef>
+          <a:effectRef idx="0">
+            <a:schemeClr val="dk1"/>
+          </a:effectRef>
+          <a:fontRef idx="minor">
+            <a:schemeClr val="dk1"/>
+          </a:fontRef>
+        </p:style>
+        <p:txBody>
+          <a:bodyPr rtlCol="0" anchor="ctr"/>
+          <a:lstStyle/>
+          <a:p>
+            <a:pPr algn="ctr"/>
+            <a:r>
+              <a:rPr lang="en-US" altLang="ko-KR" dirty="0"/>
+              <a:t>&lt;</a:t>
+            </a:r>
+            <a:endParaRPr lang="ko-KR" altLang="en-US" dirty="0"/>
+          </a:p>
+        </p:txBody>
+      </p:sp>
+      <p:sp>
+        <p:nvSpPr>
+          <p:cNvPr id="9" name="직사각형 8">
+            <a:extLst>
+              <a:ext uri="{FF2B5EF4-FFF2-40B4-BE49-F238E27FC236}">
+                <a16:creationId xmlns:a16="http://schemas.microsoft.com/office/drawing/2014/main" id="{25367A01-7BA7-8173-C77D-8FAB0BD73C30}"/>
+              </a:ext>
+            </a:extLst>
+          </p:cNvPr>
+          <p:cNvSpPr/>
+          <p:nvPr/>
+        </p:nvSpPr>
+        <p:spPr>
+          <a:xfrm>
+            <a:off x="6691884" y="5513832"/>
+            <a:ext cx="539496" cy="369332"/>
+          </a:xfrm>
+          <a:prstGeom prst="rect">
+            <a:avLst/>
+          </a:prstGeom>
+        </p:spPr>
+        <p:style>
+          <a:lnRef idx="2">
+            <a:schemeClr val="dk1"/>
+          </a:lnRef>
+          <a:fillRef idx="1">
+            <a:schemeClr val="lt1"/>
+          </a:fillRef>
+          <a:effectRef idx="0">
+            <a:schemeClr val="dk1"/>
+          </a:effectRef>
+          <a:fontRef idx="minor">
+            <a:schemeClr val="dk1"/>
+          </a:fontRef>
+        </p:style>
+        <p:txBody>
+          <a:bodyPr rtlCol="0" anchor="ctr"/>
+          <a:lstStyle/>
+          <a:p>
+            <a:pPr algn="ctr"/>
+            <a:r>
+              <a:rPr lang="en-US" altLang="ko-KR" dirty="0"/>
+              <a:t>&gt;</a:t>
+            </a:r>
+            <a:endParaRPr lang="ko-KR" altLang="en-US" dirty="0"/>
+          </a:p>
+        </p:txBody>
+      </p:sp>
+      <p:sp>
+        <p:nvSpPr>
+          <p:cNvPr id="10" name="직사각형 9">
+            <a:extLst>
+              <a:ext uri="{FF2B5EF4-FFF2-40B4-BE49-F238E27FC236}">
+                <a16:creationId xmlns:a16="http://schemas.microsoft.com/office/drawing/2014/main" id="{F14AD979-7519-80CF-CC5D-383C97D57DAF}"/>
+              </a:ext>
+            </a:extLst>
+          </p:cNvPr>
+          <p:cNvSpPr/>
+          <p:nvPr/>
+        </p:nvSpPr>
+        <p:spPr>
+          <a:xfrm>
+            <a:off x="1828800" y="2173337"/>
+            <a:ext cx="1033272" cy="222206"/>
+          </a:xfrm>
+          <a:prstGeom prst="rect">
+            <a:avLst/>
+          </a:prstGeom>
+        </p:spPr>
+        <p:style>
+          <a:lnRef idx="2">
+            <a:schemeClr val="dk1"/>
+          </a:lnRef>
+          <a:fillRef idx="1">
+            <a:schemeClr val="lt1"/>
+          </a:fillRef>
+          <a:effectRef idx="0">
+            <a:schemeClr val="dk1"/>
+          </a:effectRef>
+          <a:fontRef idx="minor">
+            <a:schemeClr val="dk1"/>
+          </a:fontRef>
+        </p:style>
+        <p:txBody>
+          <a:bodyPr rtlCol="0" anchor="ctr"/>
+          <a:lstStyle/>
+          <a:p>
+            <a:pPr algn="ctr"/>
+            <a:r>
+              <a:rPr lang="en-US" altLang="ko-KR" sz="1400" dirty="0"/>
+              <a:t>Close</a:t>
+            </a:r>
+            <a:endParaRPr lang="ko-KR" altLang="en-US" sz="1400" dirty="0"/>
+          </a:p>
+        </p:txBody>
+      </p:sp>
+      <p:sp>
+        <p:nvSpPr>
+          <p:cNvPr id="12" name="TextBox 11">
+            <a:extLst>
+              <a:ext uri="{FF2B5EF4-FFF2-40B4-BE49-F238E27FC236}">
+                <a16:creationId xmlns:a16="http://schemas.microsoft.com/office/drawing/2014/main" id="{D5F967B2-C757-B06F-39C7-CD6B2C4FA752}"/>
+              </a:ext>
+            </a:extLst>
+          </p:cNvPr>
+          <p:cNvSpPr txBox="1"/>
+          <p:nvPr/>
+        </p:nvSpPr>
+        <p:spPr>
+          <a:xfrm>
+            <a:off x="2965704" y="2130552"/>
+            <a:ext cx="7345680" cy="307777"/>
+          </a:xfrm>
+          <a:prstGeom prst="rect">
+            <a:avLst/>
+          </a:prstGeom>
+          <a:noFill/>
+        </p:spPr>
+        <p:txBody>
+          <a:bodyPr wrap="square" rtlCol="0">
+            <a:spAutoFit/>
+          </a:bodyPr>
+          <a:lstStyle/>
+          <a:p>
+            <a:r>
+              <a:rPr lang="en-US" altLang="ko-KR" sz="1400" dirty="0"/>
+              <a:t>0.1328 BTC	1,403,000 KRW	152,000,000 KRW	+0.13% (32,000 KRW)</a:t>
+            </a:r>
+            <a:endParaRPr lang="ko-KR" altLang="en-US" sz="1400" dirty="0"/>
+          </a:p>
+        </p:txBody>
+      </p:sp>
+      <p:sp>
+        <p:nvSpPr>
+          <p:cNvPr id="13" name="TextBox 12">
+            <a:extLst>
+              <a:ext uri="{FF2B5EF4-FFF2-40B4-BE49-F238E27FC236}">
+                <a16:creationId xmlns:a16="http://schemas.microsoft.com/office/drawing/2014/main" id="{33A5E0C9-4B61-0BE0-B331-507B7272F21A}"/>
+              </a:ext>
+            </a:extLst>
+          </p:cNvPr>
+          <p:cNvSpPr txBox="1"/>
+          <p:nvPr/>
+        </p:nvSpPr>
+        <p:spPr>
+          <a:xfrm>
+            <a:off x="2965704" y="1805940"/>
+            <a:ext cx="7345680" cy="307777"/>
+          </a:xfrm>
+          <a:prstGeom prst="rect">
+            <a:avLst/>
+          </a:prstGeom>
+          <a:noFill/>
+        </p:spPr>
+        <p:txBody>
+          <a:bodyPr wrap="square" rtlCol="0">
+            <a:spAutoFit/>
+          </a:bodyPr>
+          <a:lstStyle/>
+          <a:p>
+            <a:r>
+              <a:rPr lang="en-US" altLang="ko-KR" sz="1400" b="1" dirty="0"/>
+              <a:t>Amount	Evaluated amount	Entry Price   	Profit and Loss</a:t>
+            </a:r>
+            <a:endParaRPr lang="ko-KR" altLang="en-US" sz="1400" b="1" dirty="0"/>
+          </a:p>
+        </p:txBody>
+      </p:sp>
+      <p:sp>
+        <p:nvSpPr>
+          <p:cNvPr id="16" name="직사각형 15">
+            <a:extLst>
+              <a:ext uri="{FF2B5EF4-FFF2-40B4-BE49-F238E27FC236}">
+                <a16:creationId xmlns:a16="http://schemas.microsoft.com/office/drawing/2014/main" id="{1D57342A-6399-DF4C-6266-56C9CD415A3A}"/>
+              </a:ext>
+            </a:extLst>
+          </p:cNvPr>
+          <p:cNvSpPr/>
+          <p:nvPr/>
+        </p:nvSpPr>
+        <p:spPr>
+          <a:xfrm>
+            <a:off x="1828800" y="2566002"/>
+            <a:ext cx="1033272" cy="222206"/>
+          </a:xfrm>
+          <a:prstGeom prst="rect">
+            <a:avLst/>
+          </a:prstGeom>
+        </p:spPr>
+        <p:style>
+          <a:lnRef idx="2">
+            <a:schemeClr val="dk1"/>
+          </a:lnRef>
+          <a:fillRef idx="1">
+            <a:schemeClr val="lt1"/>
+          </a:fillRef>
+          <a:effectRef idx="0">
+            <a:schemeClr val="dk1"/>
+          </a:effectRef>
+          <a:fontRef idx="minor">
+            <a:schemeClr val="dk1"/>
+          </a:fontRef>
+        </p:style>
+        <p:txBody>
+          <a:bodyPr rtlCol="0" anchor="ctr"/>
+          <a:lstStyle/>
+          <a:p>
+            <a:pPr algn="ctr"/>
+            <a:r>
+              <a:rPr lang="en-US" altLang="ko-KR" sz="1400" dirty="0"/>
+              <a:t>Close</a:t>
+            </a:r>
+            <a:endParaRPr lang="ko-KR" altLang="en-US" sz="1400" dirty="0"/>
+          </a:p>
+        </p:txBody>
+      </p:sp>
+      <p:sp>
+        <p:nvSpPr>
+          <p:cNvPr id="17" name="TextBox 16">
+            <a:extLst>
+              <a:ext uri="{FF2B5EF4-FFF2-40B4-BE49-F238E27FC236}">
+                <a16:creationId xmlns:a16="http://schemas.microsoft.com/office/drawing/2014/main" id="{CE998C72-65F1-E7B3-0270-A6654E3912C1}"/>
+              </a:ext>
+            </a:extLst>
+          </p:cNvPr>
+          <p:cNvSpPr txBox="1"/>
+          <p:nvPr/>
+        </p:nvSpPr>
+        <p:spPr>
+          <a:xfrm>
+            <a:off x="2965704" y="2523217"/>
+            <a:ext cx="7345680" cy="307777"/>
+          </a:xfrm>
+          <a:prstGeom prst="rect">
+            <a:avLst/>
+          </a:prstGeom>
+          <a:noFill/>
+        </p:spPr>
+        <p:txBody>
+          <a:bodyPr wrap="square" rtlCol="0">
+            <a:spAutoFit/>
+          </a:bodyPr>
+          <a:lstStyle/>
+          <a:p>
+            <a:r>
+              <a:rPr lang="en-US" altLang="ko-KR" sz="1400" dirty="0"/>
+              <a:t>0.1328 BTC	1,403,000 KRW	152,000,000 KRW	+0.13% (32,000 KRW)</a:t>
+            </a:r>
+            <a:endParaRPr lang="ko-KR" altLang="en-US" sz="1400" dirty="0"/>
+          </a:p>
+        </p:txBody>
+      </p:sp>
+      <p:sp>
+        <p:nvSpPr>
+          <p:cNvPr id="18" name="직사각형 17">
+            <a:extLst>
+              <a:ext uri="{FF2B5EF4-FFF2-40B4-BE49-F238E27FC236}">
+                <a16:creationId xmlns:a16="http://schemas.microsoft.com/office/drawing/2014/main" id="{8E75057C-8B09-944F-11A0-DA2552349F22}"/>
+              </a:ext>
+            </a:extLst>
+          </p:cNvPr>
+          <p:cNvSpPr/>
+          <p:nvPr/>
+        </p:nvSpPr>
+        <p:spPr>
+          <a:xfrm>
+            <a:off x="1828800" y="2958667"/>
+            <a:ext cx="1033272" cy="222206"/>
+          </a:xfrm>
+          <a:prstGeom prst="rect">
+            <a:avLst/>
+          </a:prstGeom>
+        </p:spPr>
+        <p:style>
+          <a:lnRef idx="2">
+            <a:schemeClr val="dk1"/>
+          </a:lnRef>
+          <a:fillRef idx="1">
+            <a:schemeClr val="lt1"/>
+          </a:fillRef>
+          <a:effectRef idx="0">
+            <a:schemeClr val="dk1"/>
+          </a:effectRef>
+          <a:fontRef idx="minor">
+            <a:schemeClr val="dk1"/>
+          </a:fontRef>
+        </p:style>
+        <p:txBody>
+          <a:bodyPr rtlCol="0" anchor="ctr"/>
+          <a:lstStyle/>
+          <a:p>
+            <a:pPr algn="ctr"/>
+            <a:r>
+              <a:rPr lang="en-US" altLang="ko-KR" sz="1400" dirty="0"/>
+              <a:t>Close</a:t>
+            </a:r>
+            <a:endParaRPr lang="ko-KR" altLang="en-US" sz="1400" dirty="0"/>
+          </a:p>
+        </p:txBody>
+      </p:sp>
+      <p:sp>
+        <p:nvSpPr>
+          <p:cNvPr id="19" name="TextBox 18">
+            <a:extLst>
+              <a:ext uri="{FF2B5EF4-FFF2-40B4-BE49-F238E27FC236}">
+                <a16:creationId xmlns:a16="http://schemas.microsoft.com/office/drawing/2014/main" id="{832D7505-0C5F-11D6-D548-92C9A689A830}"/>
+              </a:ext>
+            </a:extLst>
+          </p:cNvPr>
+          <p:cNvSpPr txBox="1"/>
+          <p:nvPr/>
+        </p:nvSpPr>
+        <p:spPr>
+          <a:xfrm>
+            <a:off x="2965704" y="2915882"/>
+            <a:ext cx="7345680" cy="307777"/>
+          </a:xfrm>
+          <a:prstGeom prst="rect">
+            <a:avLst/>
+          </a:prstGeom>
+          <a:noFill/>
+        </p:spPr>
+        <p:txBody>
+          <a:bodyPr wrap="square" rtlCol="0">
+            <a:spAutoFit/>
+          </a:bodyPr>
+          <a:lstStyle/>
+          <a:p>
+            <a:r>
+              <a:rPr lang="en-US" altLang="ko-KR" sz="1400" dirty="0"/>
+              <a:t>0.1328 BTC	1,403,000 KRW	152,000,000 KRW	+0.13% (32,000 KRW)</a:t>
+            </a:r>
+            <a:endParaRPr lang="ko-KR" altLang="en-US" sz="1400" dirty="0"/>
+          </a:p>
+        </p:txBody>
+      </p:sp>
+      <p:sp>
+        <p:nvSpPr>
+          <p:cNvPr id="20" name="직사각형 19">
+            <a:extLst>
+              <a:ext uri="{FF2B5EF4-FFF2-40B4-BE49-F238E27FC236}">
+                <a16:creationId xmlns:a16="http://schemas.microsoft.com/office/drawing/2014/main" id="{F25751C6-0467-DA93-E0DA-67E84B0F32B6}"/>
+              </a:ext>
+            </a:extLst>
+          </p:cNvPr>
+          <p:cNvSpPr/>
+          <p:nvPr/>
+        </p:nvSpPr>
+        <p:spPr>
+          <a:xfrm>
+            <a:off x="1828800" y="3351332"/>
+            <a:ext cx="1033272" cy="222206"/>
+          </a:xfrm>
+          <a:prstGeom prst="rect">
+            <a:avLst/>
+          </a:prstGeom>
+        </p:spPr>
+        <p:style>
+          <a:lnRef idx="2">
+            <a:schemeClr val="dk1"/>
+          </a:lnRef>
+          <a:fillRef idx="1">
+            <a:schemeClr val="lt1"/>
+          </a:fillRef>
+          <a:effectRef idx="0">
+            <a:schemeClr val="dk1"/>
+          </a:effectRef>
+          <a:fontRef idx="minor">
+            <a:schemeClr val="dk1"/>
+          </a:fontRef>
+        </p:style>
+        <p:txBody>
+          <a:bodyPr rtlCol="0" anchor="ctr"/>
+          <a:lstStyle/>
+          <a:p>
+            <a:pPr algn="ctr"/>
+            <a:r>
+              <a:rPr lang="en-US" altLang="ko-KR" sz="1400" dirty="0"/>
+              <a:t>Close</a:t>
+            </a:r>
+            <a:endParaRPr lang="ko-KR" altLang="en-US" sz="1400" dirty="0"/>
+          </a:p>
+        </p:txBody>
+      </p:sp>
+      <p:sp>
+        <p:nvSpPr>
+          <p:cNvPr id="21" name="TextBox 20">
+            <a:extLst>
+              <a:ext uri="{FF2B5EF4-FFF2-40B4-BE49-F238E27FC236}">
+                <a16:creationId xmlns:a16="http://schemas.microsoft.com/office/drawing/2014/main" id="{06DE2E08-21E7-68F3-0E14-46D10625DBF9}"/>
+              </a:ext>
+            </a:extLst>
+          </p:cNvPr>
+          <p:cNvSpPr txBox="1"/>
+          <p:nvPr/>
+        </p:nvSpPr>
+        <p:spPr>
+          <a:xfrm>
+            <a:off x="2965704" y="3308547"/>
+            <a:ext cx="7345680" cy="307777"/>
+          </a:xfrm>
+          <a:prstGeom prst="rect">
+            <a:avLst/>
+          </a:prstGeom>
+          <a:noFill/>
+        </p:spPr>
+        <p:txBody>
+          <a:bodyPr wrap="square" rtlCol="0">
+            <a:spAutoFit/>
+          </a:bodyPr>
+          <a:lstStyle/>
+          <a:p>
+            <a:r>
+              <a:rPr lang="en-US" altLang="ko-KR" sz="1400" dirty="0"/>
+              <a:t>0.1328 BTC	1,403,000 KRW	152,000,000 KRW	+0.13% (32,000 KRW)</a:t>
+            </a:r>
+            <a:endParaRPr lang="ko-KR" altLang="en-US" sz="1400" dirty="0"/>
+          </a:p>
+        </p:txBody>
+      </p:sp>
+      <p:sp>
+        <p:nvSpPr>
+          <p:cNvPr id="22" name="직사각형 21">
+            <a:extLst>
+              <a:ext uri="{FF2B5EF4-FFF2-40B4-BE49-F238E27FC236}">
+                <a16:creationId xmlns:a16="http://schemas.microsoft.com/office/drawing/2014/main" id="{5F58FD06-6101-665A-B30D-60BEF15EB070}"/>
+              </a:ext>
+            </a:extLst>
+          </p:cNvPr>
+          <p:cNvSpPr/>
+          <p:nvPr/>
+        </p:nvSpPr>
+        <p:spPr>
+          <a:xfrm>
+            <a:off x="1828800" y="3743997"/>
+            <a:ext cx="1033272" cy="222206"/>
+          </a:xfrm>
+          <a:prstGeom prst="rect">
+            <a:avLst/>
+          </a:prstGeom>
+        </p:spPr>
+        <p:style>
+          <a:lnRef idx="2">
+            <a:schemeClr val="dk1"/>
+          </a:lnRef>
+          <a:fillRef idx="1">
+            <a:schemeClr val="lt1"/>
+          </a:fillRef>
+          <a:effectRef idx="0">
+            <a:schemeClr val="dk1"/>
+          </a:effectRef>
+          <a:fontRef idx="minor">
+            <a:schemeClr val="dk1"/>
+          </a:fontRef>
+        </p:style>
+        <p:txBody>
+          <a:bodyPr rtlCol="0" anchor="ctr"/>
+          <a:lstStyle/>
+          <a:p>
+            <a:pPr algn="ctr"/>
+            <a:r>
+              <a:rPr lang="en-US" altLang="ko-KR" sz="1400" dirty="0"/>
+              <a:t>Close</a:t>
+            </a:r>
+            <a:endParaRPr lang="ko-KR" altLang="en-US" sz="1400" dirty="0"/>
+          </a:p>
+        </p:txBody>
+      </p:sp>
+      <p:sp>
+        <p:nvSpPr>
+          <p:cNvPr id="23" name="TextBox 22">
+            <a:extLst>
+              <a:ext uri="{FF2B5EF4-FFF2-40B4-BE49-F238E27FC236}">
+                <a16:creationId xmlns:a16="http://schemas.microsoft.com/office/drawing/2014/main" id="{5E3A69C0-0232-D246-DE57-8CA1E9F9FFFC}"/>
+              </a:ext>
+            </a:extLst>
+          </p:cNvPr>
+          <p:cNvSpPr txBox="1"/>
+          <p:nvPr/>
+        </p:nvSpPr>
+        <p:spPr>
+          <a:xfrm>
+            <a:off x="2965704" y="3701212"/>
+            <a:ext cx="7345680" cy="307777"/>
+          </a:xfrm>
+          <a:prstGeom prst="rect">
+            <a:avLst/>
+          </a:prstGeom>
+          <a:noFill/>
+        </p:spPr>
+        <p:txBody>
+          <a:bodyPr wrap="square" rtlCol="0">
+            <a:spAutoFit/>
+          </a:bodyPr>
+          <a:lstStyle/>
+          <a:p>
+            <a:r>
+              <a:rPr lang="en-US" altLang="ko-KR" sz="1400" dirty="0"/>
+              <a:t>0.1328 BTC	1,403,000 KRW	152,000,000 KRW	+0.13% (32,000 KRW)</a:t>
+            </a:r>
+            <a:endParaRPr lang="ko-KR" altLang="en-US" sz="1400" dirty="0"/>
+          </a:p>
+        </p:txBody>
+      </p:sp>
+      <p:sp>
+        <p:nvSpPr>
+          <p:cNvPr id="24" name="직사각형 23">
+            <a:extLst>
+              <a:ext uri="{FF2B5EF4-FFF2-40B4-BE49-F238E27FC236}">
+                <a16:creationId xmlns:a16="http://schemas.microsoft.com/office/drawing/2014/main" id="{B3089351-D749-0183-4D03-F4AE6AC6BFCF}"/>
+              </a:ext>
+            </a:extLst>
+          </p:cNvPr>
+          <p:cNvSpPr/>
+          <p:nvPr/>
+        </p:nvSpPr>
+        <p:spPr>
+          <a:xfrm>
+            <a:off x="1828800" y="4136662"/>
+            <a:ext cx="1033272" cy="222206"/>
+          </a:xfrm>
+          <a:prstGeom prst="rect">
+            <a:avLst/>
+          </a:prstGeom>
+        </p:spPr>
+        <p:style>
+          <a:lnRef idx="2">
+            <a:schemeClr val="dk1"/>
+          </a:lnRef>
+          <a:fillRef idx="1">
+            <a:schemeClr val="lt1"/>
+          </a:fillRef>
+          <a:effectRef idx="0">
+            <a:schemeClr val="dk1"/>
+          </a:effectRef>
+          <a:fontRef idx="minor">
+            <a:schemeClr val="dk1"/>
+          </a:fontRef>
+        </p:style>
+        <p:txBody>
+          <a:bodyPr rtlCol="0" anchor="ctr"/>
+          <a:lstStyle/>
+          <a:p>
+            <a:pPr algn="ctr"/>
+            <a:r>
+              <a:rPr lang="en-US" altLang="ko-KR" sz="1400" dirty="0"/>
+              <a:t>Close</a:t>
+            </a:r>
+            <a:endParaRPr lang="ko-KR" altLang="en-US" sz="1400" dirty="0"/>
+          </a:p>
+        </p:txBody>
+      </p:sp>
+      <p:sp>
+        <p:nvSpPr>
+          <p:cNvPr id="25" name="TextBox 24">
+            <a:extLst>
+              <a:ext uri="{FF2B5EF4-FFF2-40B4-BE49-F238E27FC236}">
+                <a16:creationId xmlns:a16="http://schemas.microsoft.com/office/drawing/2014/main" id="{9FE8E97A-FE84-6D97-6747-4AF2CA23D2E9}"/>
+              </a:ext>
+            </a:extLst>
+          </p:cNvPr>
+          <p:cNvSpPr txBox="1"/>
+          <p:nvPr/>
+        </p:nvSpPr>
+        <p:spPr>
+          <a:xfrm>
+            <a:off x="2965704" y="4093877"/>
+            <a:ext cx="7345680" cy="307777"/>
+          </a:xfrm>
+          <a:prstGeom prst="rect">
+            <a:avLst/>
+          </a:prstGeom>
+          <a:noFill/>
+        </p:spPr>
+        <p:txBody>
+          <a:bodyPr wrap="square" rtlCol="0">
+            <a:spAutoFit/>
+          </a:bodyPr>
+          <a:lstStyle/>
+          <a:p>
+            <a:r>
+              <a:rPr lang="en-US" altLang="ko-KR" sz="1400" dirty="0"/>
+              <a:t>0.1328 BTC	1,403,000 KRW	152,000,000 KRW	+0.13% (32,000 KRW)</a:t>
+            </a:r>
+            <a:endParaRPr lang="ko-KR" altLang="en-US" sz="1400" dirty="0"/>
+          </a:p>
+        </p:txBody>
+      </p:sp>
+      <p:sp>
+        <p:nvSpPr>
+          <p:cNvPr id="26" name="직사각형 25">
+            <a:extLst>
+              <a:ext uri="{FF2B5EF4-FFF2-40B4-BE49-F238E27FC236}">
+                <a16:creationId xmlns:a16="http://schemas.microsoft.com/office/drawing/2014/main" id="{6F50FCAC-DF1F-F0C1-5A79-5F8C063B574E}"/>
+              </a:ext>
+            </a:extLst>
+          </p:cNvPr>
+          <p:cNvSpPr/>
+          <p:nvPr/>
+        </p:nvSpPr>
+        <p:spPr>
+          <a:xfrm>
+            <a:off x="1828800" y="4529327"/>
+            <a:ext cx="1033272" cy="222206"/>
+          </a:xfrm>
+          <a:prstGeom prst="rect">
+            <a:avLst/>
+          </a:prstGeom>
+        </p:spPr>
+        <p:style>
+          <a:lnRef idx="2">
+            <a:schemeClr val="dk1"/>
+          </a:lnRef>
+          <a:fillRef idx="1">
+            <a:schemeClr val="lt1"/>
+          </a:fillRef>
+          <a:effectRef idx="0">
+            <a:schemeClr val="dk1"/>
+          </a:effectRef>
+          <a:fontRef idx="minor">
+            <a:schemeClr val="dk1"/>
+          </a:fontRef>
+        </p:style>
+        <p:txBody>
+          <a:bodyPr rtlCol="0" anchor="ctr"/>
+          <a:lstStyle/>
+          <a:p>
+            <a:pPr algn="ctr"/>
+            <a:r>
+              <a:rPr lang="en-US" altLang="ko-KR" sz="1400" dirty="0"/>
+              <a:t>Close</a:t>
+            </a:r>
+            <a:endParaRPr lang="ko-KR" altLang="en-US" sz="1400" dirty="0"/>
+          </a:p>
+        </p:txBody>
+      </p:sp>
+      <p:sp>
+        <p:nvSpPr>
+          <p:cNvPr id="27" name="TextBox 26">
+            <a:extLst>
+              <a:ext uri="{FF2B5EF4-FFF2-40B4-BE49-F238E27FC236}">
+                <a16:creationId xmlns:a16="http://schemas.microsoft.com/office/drawing/2014/main" id="{0DBAA010-8838-A634-C03D-657A1488162F}"/>
+              </a:ext>
+            </a:extLst>
+          </p:cNvPr>
+          <p:cNvSpPr txBox="1"/>
+          <p:nvPr/>
+        </p:nvSpPr>
+        <p:spPr>
+          <a:xfrm>
+            <a:off x="2965704" y="4486542"/>
+            <a:ext cx="7345680" cy="307777"/>
+          </a:xfrm>
+          <a:prstGeom prst="rect">
+            <a:avLst/>
+          </a:prstGeom>
+          <a:noFill/>
+        </p:spPr>
+        <p:txBody>
+          <a:bodyPr wrap="square" rtlCol="0">
+            <a:spAutoFit/>
+          </a:bodyPr>
+          <a:lstStyle/>
+          <a:p>
+            <a:r>
+              <a:rPr lang="en-US" altLang="ko-KR" sz="1400" dirty="0"/>
+              <a:t>0.1328 BTC	1,403,000 KRW	152,000,000 KRW	+0.13% (32,000 KRW)</a:t>
+            </a:r>
+            <a:endParaRPr lang="ko-KR" altLang="en-US" sz="1400" dirty="0"/>
+          </a:p>
+        </p:txBody>
+      </p:sp>
+      <p:sp>
+        <p:nvSpPr>
+          <p:cNvPr id="28" name="직사각형 27">
+            <a:extLst>
+              <a:ext uri="{FF2B5EF4-FFF2-40B4-BE49-F238E27FC236}">
+                <a16:creationId xmlns:a16="http://schemas.microsoft.com/office/drawing/2014/main" id="{E9A052D9-294C-25D7-2AAA-5E7AB94635F6}"/>
+              </a:ext>
+            </a:extLst>
+          </p:cNvPr>
+          <p:cNvSpPr/>
+          <p:nvPr/>
+        </p:nvSpPr>
+        <p:spPr>
+          <a:xfrm>
+            <a:off x="1828800" y="4921992"/>
+            <a:ext cx="1033272" cy="222206"/>
+          </a:xfrm>
+          <a:prstGeom prst="rect">
+            <a:avLst/>
+          </a:prstGeom>
+        </p:spPr>
+        <p:style>
+          <a:lnRef idx="2">
+            <a:schemeClr val="dk1"/>
+          </a:lnRef>
+          <a:fillRef idx="1">
+            <a:schemeClr val="lt1"/>
+          </a:fillRef>
+          <a:effectRef idx="0">
+            <a:schemeClr val="dk1"/>
+          </a:effectRef>
+          <a:fontRef idx="minor">
+            <a:schemeClr val="dk1"/>
+          </a:fontRef>
+        </p:style>
+        <p:txBody>
+          <a:bodyPr rtlCol="0" anchor="ctr"/>
+          <a:lstStyle/>
+          <a:p>
+            <a:pPr algn="ctr"/>
+            <a:r>
+              <a:rPr lang="en-US" altLang="ko-KR" sz="1400" dirty="0"/>
+              <a:t>Close</a:t>
+            </a:r>
+            <a:endParaRPr lang="ko-KR" altLang="en-US" sz="1400" dirty="0"/>
+          </a:p>
+        </p:txBody>
+      </p:sp>
+      <p:sp>
+        <p:nvSpPr>
+          <p:cNvPr id="29" name="TextBox 28">
+            <a:extLst>
+              <a:ext uri="{FF2B5EF4-FFF2-40B4-BE49-F238E27FC236}">
+                <a16:creationId xmlns:a16="http://schemas.microsoft.com/office/drawing/2014/main" id="{5426438B-472C-12D3-B212-DE973DC5F8D9}"/>
+              </a:ext>
+            </a:extLst>
+          </p:cNvPr>
+          <p:cNvSpPr txBox="1"/>
+          <p:nvPr/>
+        </p:nvSpPr>
+        <p:spPr>
+          <a:xfrm>
+            <a:off x="2965704" y="4879207"/>
+            <a:ext cx="7345680" cy="307777"/>
+          </a:xfrm>
+          <a:prstGeom prst="rect">
+            <a:avLst/>
+          </a:prstGeom>
+          <a:noFill/>
+        </p:spPr>
+        <p:txBody>
+          <a:bodyPr wrap="square" rtlCol="0">
+            <a:spAutoFit/>
+          </a:bodyPr>
+          <a:lstStyle/>
+          <a:p>
+            <a:r>
+              <a:rPr lang="en-US" altLang="ko-KR" sz="1400" dirty="0"/>
+              <a:t>0.1328 BTC	1,403,000 KRW	152,000,000 KRW	+0.13% (32,000 KRW)</a:t>
+            </a:r>
+            <a:endParaRPr lang="ko-KR" altLang="en-US" sz="1400" dirty="0"/>
           </a:p>
         </p:txBody>
       </p:sp>
